--- a/catapult_hls/catapult_setup(NTHU).pptx
+++ b/catapult_hls/catapult_setup(NTHU).pptx
@@ -5,14 +5,15 @@
     <p:sldMasterId id="2147483648" r:id="rId1"/>
   </p:sldMasterIdLst>
   <p:notesMasterIdLst>
-    <p:notesMasterId r:id="rId7"/>
+    <p:notesMasterId r:id="rId8"/>
   </p:notesMasterIdLst>
   <p:sldIdLst>
     <p:sldId id="259" r:id="rId2"/>
     <p:sldId id="357" r:id="rId3"/>
     <p:sldId id="359" r:id="rId4"/>
     <p:sldId id="360" r:id="rId5"/>
-    <p:sldId id="361" r:id="rId6"/>
+    <p:sldId id="362" r:id="rId6"/>
+    <p:sldId id="363" r:id="rId7"/>
   </p:sldIdLst>
   <p:sldSz cx="12192000" cy="6858000"/>
   <p:notesSz cx="6858000" cy="9144000"/>
@@ -204,7 +205,7 @@
           <a:p>
             <a:fld id="{80C38B47-C3B7-8443-A58D-8B22D7D22AE0}" type="datetimeFigureOut">
               <a:rPr lang="en-US" smtClean="0"/>
-              <a:t>2/20/2024</a:t>
+              <a:t>3/1/2024</a:t>
             </a:fld>
             <a:endParaRPr lang="en-US"/>
           </a:p>
@@ -634,7 +635,7 @@
           <a:p>
             <a:fld id="{7A4E0488-0F40-9645-8EBB-4836F989A1A3}" type="datetimeFigureOut">
               <a:rPr lang="en-US" smtClean="0"/>
-              <a:t>2/20/2024</a:t>
+              <a:t>3/1/2024</a:t>
             </a:fld>
             <a:endParaRPr lang="en-US"/>
           </a:p>
@@ -845,7 +846,7 @@
           <a:p>
             <a:fld id="{7A4E0488-0F40-9645-8EBB-4836F989A1A3}" type="datetimeFigureOut">
               <a:rPr lang="en-US" smtClean="0"/>
-              <a:t>2/20/2024</a:t>
+              <a:t>3/1/2024</a:t>
             </a:fld>
             <a:endParaRPr lang="en-US"/>
           </a:p>
@@ -1090,7 +1091,7 @@
           <a:p>
             <a:fld id="{7A4E0488-0F40-9645-8EBB-4836F989A1A3}" type="datetimeFigureOut">
               <a:rPr lang="en-US" smtClean="0"/>
-              <a:t>2/20/2024</a:t>
+              <a:t>3/1/2024</a:t>
             </a:fld>
             <a:endParaRPr lang="en-US"/>
           </a:p>
@@ -1372,7 +1373,7 @@
           <a:p>
             <a:fld id="{7A4E0488-0F40-9645-8EBB-4836F989A1A3}" type="datetimeFigureOut">
               <a:rPr lang="en-US" smtClean="0"/>
-              <a:t>2/20/2024</a:t>
+              <a:t>3/1/2024</a:t>
             </a:fld>
             <a:endParaRPr lang="en-US"/>
           </a:p>
@@ -1729,7 +1730,7 @@
           <a:p>
             <a:fld id="{7A4E0488-0F40-9645-8EBB-4836F989A1A3}" type="datetimeFigureOut">
               <a:rPr lang="en-US" smtClean="0"/>
-              <a:t>2/20/2024</a:t>
+              <a:t>3/1/2024</a:t>
             </a:fld>
             <a:endParaRPr lang="en-US"/>
           </a:p>
@@ -2144,7 +2145,7 @@
           <a:p>
             <a:fld id="{7A4E0488-0F40-9645-8EBB-4836F989A1A3}" type="datetimeFigureOut">
               <a:rPr lang="en-US" smtClean="0"/>
-              <a:t>2/20/2024</a:t>
+              <a:t>3/1/2024</a:t>
             </a:fld>
             <a:endParaRPr lang="en-US"/>
           </a:p>
@@ -2293,7 +2294,7 @@
           <a:p>
             <a:fld id="{7A4E0488-0F40-9645-8EBB-4836F989A1A3}" type="datetimeFigureOut">
               <a:rPr lang="en-US" smtClean="0"/>
-              <a:t>2/20/2024</a:t>
+              <a:t>3/1/2024</a:t>
             </a:fld>
             <a:endParaRPr lang="en-US"/>
           </a:p>
@@ -2406,7 +2407,7 @@
           <a:p>
             <a:fld id="{7A4E0488-0F40-9645-8EBB-4836F989A1A3}" type="datetimeFigureOut">
               <a:rPr lang="en-US" smtClean="0"/>
-              <a:t>2/20/2024</a:t>
+              <a:t>3/1/2024</a:t>
             </a:fld>
             <a:endParaRPr lang="en-US"/>
           </a:p>
@@ -2720,7 +2721,7 @@
           <a:p>
             <a:fld id="{7A4E0488-0F40-9645-8EBB-4836F989A1A3}" type="datetimeFigureOut">
               <a:rPr lang="en-US" smtClean="0"/>
-              <a:t>2/20/2024</a:t>
+              <a:t>3/1/2024</a:t>
             </a:fld>
             <a:endParaRPr lang="en-US"/>
           </a:p>
@@ -3011,7 +3012,7 @@
           <a:p>
             <a:fld id="{7A4E0488-0F40-9645-8EBB-4836F989A1A3}" type="datetimeFigureOut">
               <a:rPr lang="en-US" smtClean="0"/>
-              <a:t>2/20/2024</a:t>
+              <a:t>3/1/2024</a:t>
             </a:fld>
             <a:endParaRPr lang="en-US"/>
           </a:p>
@@ -4559,7 +4560,7 @@
           <p:cNvPr id="2" name="標題 1">
             <a:extLst>
               <a:ext uri="{FF2B5EF4-FFF2-40B4-BE49-F238E27FC236}">
-                <a16:creationId xmlns:a16="http://schemas.microsoft.com/office/drawing/2014/main" id="{50A7B9D1-4349-40FA-A3B3-73C023C4EDE1}"/>
+                <a16:creationId xmlns:a16="http://schemas.microsoft.com/office/drawing/2014/main" id="{F57E15DF-A14F-411D-B909-47209E82438A}"/>
               </a:ext>
             </a:extLst>
           </p:cNvPr>
@@ -4583,12 +4584,220 @@
           </a:p>
         </p:txBody>
       </p:sp>
+      <p:sp>
+        <p:nvSpPr>
+          <p:cNvPr id="7" name="內容版面配置區 2">
+            <a:extLst>
+              <a:ext uri="{FF2B5EF4-FFF2-40B4-BE49-F238E27FC236}">
+                <a16:creationId xmlns:a16="http://schemas.microsoft.com/office/drawing/2014/main" id="{01E29CAC-EA85-4F82-A6F6-666C873BF2C5}"/>
+              </a:ext>
+            </a:extLst>
+          </p:cNvPr>
+          <p:cNvSpPr txBox="1">
+            <a:spLocks/>
+          </p:cNvSpPr>
+          <p:nvPr/>
+        </p:nvSpPr>
+        <p:spPr>
+          <a:xfrm>
+            <a:off x="838200" y="1159435"/>
+            <a:ext cx="10515600" cy="5008753"/>
+          </a:xfrm>
+          <a:prstGeom prst="rect">
+            <a:avLst/>
+          </a:prstGeom>
+        </p:spPr>
+        <p:txBody>
+          <a:bodyPr vert="horz" lIns="91440" tIns="45720" rIns="91440" bIns="45720" rtlCol="0">
+            <a:normAutofit/>
+          </a:bodyPr>
+          <a:lstStyle>
+            <a:lvl1pPr marL="228600" indent="-228600" algn="l" defTabSz="914400" rtl="0" eaLnBrk="1" latinLnBrk="0" hangingPunct="1">
+              <a:lnSpc>
+                <a:spcPct val="90000"/>
+              </a:lnSpc>
+              <a:spcBef>
+                <a:spcPts val="1000"/>
+              </a:spcBef>
+              <a:buFont typeface="Arial" panose="020B0604020202020204" pitchFamily="34" charset="0"/>
+              <a:buChar char="•"/>
+              <a:defRPr sz="2800" kern="1200">
+                <a:solidFill>
+                  <a:schemeClr val="tx1"/>
+                </a:solidFill>
+                <a:latin typeface="+mj-lt"/>
+                <a:ea typeface="+mn-ea"/>
+                <a:cs typeface="+mn-cs"/>
+              </a:defRPr>
+            </a:lvl1pPr>
+            <a:lvl2pPr marL="685800" indent="-228600" algn="l" defTabSz="914400" rtl="0" eaLnBrk="1" latinLnBrk="0" hangingPunct="1">
+              <a:lnSpc>
+                <a:spcPct val="90000"/>
+              </a:lnSpc>
+              <a:spcBef>
+                <a:spcPts val="500"/>
+              </a:spcBef>
+              <a:buFont typeface="Arial" panose="020B0604020202020204" pitchFamily="34" charset="0"/>
+              <a:buChar char="•"/>
+              <a:defRPr sz="2400" kern="1200">
+                <a:solidFill>
+                  <a:schemeClr val="tx1"/>
+                </a:solidFill>
+                <a:latin typeface="+mj-lt"/>
+                <a:ea typeface="+mn-ea"/>
+                <a:cs typeface="+mn-cs"/>
+              </a:defRPr>
+            </a:lvl2pPr>
+            <a:lvl3pPr marL="1143000" indent="-228600" algn="l" defTabSz="914400" rtl="0" eaLnBrk="1" latinLnBrk="0" hangingPunct="1">
+              <a:lnSpc>
+                <a:spcPct val="90000"/>
+              </a:lnSpc>
+              <a:spcBef>
+                <a:spcPts val="500"/>
+              </a:spcBef>
+              <a:buFont typeface="Arial" panose="020B0604020202020204" pitchFamily="34" charset="0"/>
+              <a:buChar char="•"/>
+              <a:defRPr sz="2000" kern="1200">
+                <a:solidFill>
+                  <a:schemeClr val="tx1"/>
+                </a:solidFill>
+                <a:latin typeface="+mj-lt"/>
+                <a:ea typeface="+mn-ea"/>
+                <a:cs typeface="+mn-cs"/>
+              </a:defRPr>
+            </a:lvl3pPr>
+            <a:lvl4pPr marL="1600200" indent="-228600" algn="l" defTabSz="914400" rtl="0" eaLnBrk="1" latinLnBrk="0" hangingPunct="1">
+              <a:lnSpc>
+                <a:spcPct val="90000"/>
+              </a:lnSpc>
+              <a:spcBef>
+                <a:spcPts val="500"/>
+              </a:spcBef>
+              <a:buFont typeface="Arial" panose="020B0604020202020204" pitchFamily="34" charset="0"/>
+              <a:buChar char="•"/>
+              <a:defRPr sz="1800" kern="1200">
+                <a:solidFill>
+                  <a:schemeClr val="tx1"/>
+                </a:solidFill>
+                <a:latin typeface="+mj-lt"/>
+                <a:ea typeface="+mn-ea"/>
+                <a:cs typeface="+mn-cs"/>
+              </a:defRPr>
+            </a:lvl4pPr>
+            <a:lvl5pPr marL="2057400" indent="-228600" algn="l" defTabSz="914400" rtl="0" eaLnBrk="1" latinLnBrk="0" hangingPunct="1">
+              <a:lnSpc>
+                <a:spcPct val="90000"/>
+              </a:lnSpc>
+              <a:spcBef>
+                <a:spcPts val="500"/>
+              </a:spcBef>
+              <a:buFont typeface="Arial" panose="020B0604020202020204" pitchFamily="34" charset="0"/>
+              <a:buChar char="•"/>
+              <a:defRPr sz="1800" kern="1200">
+                <a:solidFill>
+                  <a:schemeClr val="tx1"/>
+                </a:solidFill>
+                <a:latin typeface="+mj-lt"/>
+                <a:ea typeface="+mn-ea"/>
+                <a:cs typeface="+mn-cs"/>
+              </a:defRPr>
+            </a:lvl5pPr>
+            <a:lvl6pPr marL="2514600" indent="-228600" algn="l" defTabSz="914400" rtl="0" eaLnBrk="1" latinLnBrk="0" hangingPunct="1">
+              <a:lnSpc>
+                <a:spcPct val="90000"/>
+              </a:lnSpc>
+              <a:spcBef>
+                <a:spcPts val="500"/>
+              </a:spcBef>
+              <a:buFont typeface="Arial" panose="020B0604020202020204" pitchFamily="34" charset="0"/>
+              <a:buChar char="•"/>
+              <a:defRPr sz="1800" kern="1200">
+                <a:solidFill>
+                  <a:schemeClr val="tx1"/>
+                </a:solidFill>
+                <a:latin typeface="+mn-lt"/>
+                <a:ea typeface="+mn-ea"/>
+                <a:cs typeface="+mn-cs"/>
+              </a:defRPr>
+            </a:lvl6pPr>
+            <a:lvl7pPr marL="2971800" indent="-228600" algn="l" defTabSz="914400" rtl="0" eaLnBrk="1" latinLnBrk="0" hangingPunct="1">
+              <a:lnSpc>
+                <a:spcPct val="90000"/>
+              </a:lnSpc>
+              <a:spcBef>
+                <a:spcPts val="500"/>
+              </a:spcBef>
+              <a:buFont typeface="Arial" panose="020B0604020202020204" pitchFamily="34" charset="0"/>
+              <a:buChar char="•"/>
+              <a:defRPr sz="1800" kern="1200">
+                <a:solidFill>
+                  <a:schemeClr val="tx1"/>
+                </a:solidFill>
+                <a:latin typeface="+mn-lt"/>
+                <a:ea typeface="+mn-ea"/>
+                <a:cs typeface="+mn-cs"/>
+              </a:defRPr>
+            </a:lvl7pPr>
+            <a:lvl8pPr marL="3429000" indent="-228600" algn="l" defTabSz="914400" rtl="0" eaLnBrk="1" latinLnBrk="0" hangingPunct="1">
+              <a:lnSpc>
+                <a:spcPct val="90000"/>
+              </a:lnSpc>
+              <a:spcBef>
+                <a:spcPts val="500"/>
+              </a:spcBef>
+              <a:buFont typeface="Arial" panose="020B0604020202020204" pitchFamily="34" charset="0"/>
+              <a:buChar char="•"/>
+              <a:defRPr sz="1800" kern="1200">
+                <a:solidFill>
+                  <a:schemeClr val="tx1"/>
+                </a:solidFill>
+                <a:latin typeface="+mn-lt"/>
+                <a:ea typeface="+mn-ea"/>
+                <a:cs typeface="+mn-cs"/>
+              </a:defRPr>
+            </a:lvl8pPr>
+            <a:lvl9pPr marL="3886200" indent="-228600" algn="l" defTabSz="914400" rtl="0" eaLnBrk="1" latinLnBrk="0" hangingPunct="1">
+              <a:lnSpc>
+                <a:spcPct val="90000"/>
+              </a:lnSpc>
+              <a:spcBef>
+                <a:spcPts val="500"/>
+              </a:spcBef>
+              <a:buFont typeface="Arial" panose="020B0604020202020204" pitchFamily="34" charset="0"/>
+              <a:buChar char="•"/>
+              <a:defRPr sz="1800" kern="1200">
+                <a:solidFill>
+                  <a:schemeClr val="tx1"/>
+                </a:solidFill>
+                <a:latin typeface="+mn-lt"/>
+                <a:ea typeface="+mn-ea"/>
+                <a:cs typeface="+mn-cs"/>
+              </a:defRPr>
+            </a:lvl9pPr>
+          </a:lstStyle>
+          <a:p>
+            <a:r>
+              <a:rPr lang="en-US" altLang="zh-TW" dirty="0"/>
+              <a:t>Add the following command file in .</a:t>
+            </a:r>
+            <a:r>
+              <a:rPr lang="en-US" altLang="zh-TW" dirty="0" err="1"/>
+              <a:t>tcshrc</a:t>
+            </a:r>
+            <a:r>
+              <a:rPr lang="en-US" altLang="zh-TW" dirty="0"/>
+              <a:t> </a:t>
+            </a:r>
+            <a:endParaRPr lang="zh-TW" altLang="en-US" dirty="0"/>
+          </a:p>
+        </p:txBody>
+      </p:sp>
       <p:pic>
         <p:nvPicPr>
-          <p:cNvPr id="6" name="內容版面配置區 5">
-            <a:extLst>
-              <a:ext uri="{FF2B5EF4-FFF2-40B4-BE49-F238E27FC236}">
-                <a16:creationId xmlns:a16="http://schemas.microsoft.com/office/drawing/2014/main" id="{1DBFDD64-91E1-4A00-8348-B3C3149E7205}"/>
+          <p:cNvPr id="9" name="內容版面配置區 5">
+            <a:extLst>
+              <a:ext uri="{FF2B5EF4-FFF2-40B4-BE49-F238E27FC236}">
+                <a16:creationId xmlns:a16="http://schemas.microsoft.com/office/drawing/2014/main" id="{E317B0F1-BDB4-4892-B4AC-434244B05950}"/>
               </a:ext>
             </a:extLst>
           </p:cNvPr>
@@ -4607,7 +4816,7 @@
         </p:blipFill>
         <p:spPr>
           <a:xfrm>
-            <a:off x="2071552" y="2319952"/>
+            <a:off x="2071552" y="1955967"/>
             <a:ext cx="8048896" cy="2218095"/>
           </a:xfrm>
           <a:prstGeom prst="rect">
@@ -4618,7 +4827,140 @@
     </p:spTree>
     <p:extLst>
       <p:ext uri="{BB962C8B-B14F-4D97-AF65-F5344CB8AC3E}">
-        <p14:creationId xmlns:p14="http://schemas.microsoft.com/office/powerpoint/2010/main" val="2499293105"/>
+        <p14:creationId xmlns:p14="http://schemas.microsoft.com/office/powerpoint/2010/main" val="1551504394"/>
+      </p:ext>
+    </p:extLst>
+  </p:cSld>
+  <p:clrMapOvr>
+    <a:masterClrMapping/>
+  </p:clrMapOvr>
+</p:sld>
+</file>
+
+<file path=ppt/slides/slide6.xml><?xml version="1.0" encoding="utf-8"?>
+<p:sld xmlns:a="http://schemas.openxmlformats.org/drawingml/2006/main" xmlns:r="http://schemas.openxmlformats.org/officeDocument/2006/relationships" xmlns:p="http://schemas.openxmlformats.org/presentationml/2006/main">
+  <p:cSld>
+    <p:spTree>
+      <p:nvGrpSpPr>
+        <p:cNvPr id="1" name=""/>
+        <p:cNvGrpSpPr/>
+        <p:nvPr/>
+      </p:nvGrpSpPr>
+      <p:grpSpPr>
+        <a:xfrm>
+          <a:off x="0" y="0"/>
+          <a:ext cx="0" cy="0"/>
+          <a:chOff x="0" y="0"/>
+          <a:chExt cx="0" cy="0"/>
+        </a:xfrm>
+      </p:grpSpPr>
+      <p:sp>
+        <p:nvSpPr>
+          <p:cNvPr id="2" name="標題 1">
+            <a:extLst>
+              <a:ext uri="{FF2B5EF4-FFF2-40B4-BE49-F238E27FC236}">
+                <a16:creationId xmlns:a16="http://schemas.microsoft.com/office/drawing/2014/main" id="{FA3FCA9E-38B1-42BB-B724-65C706542009}"/>
+              </a:ext>
+            </a:extLst>
+          </p:cNvPr>
+          <p:cNvSpPr>
+            <a:spLocks noGrp="1"/>
+          </p:cNvSpPr>
+          <p:nvPr>
+            <p:ph type="title"/>
+          </p:nvPr>
+        </p:nvSpPr>
+        <p:spPr/>
+        <p:txBody>
+          <a:bodyPr/>
+          <a:lstStyle/>
+          <a:p>
+            <a:r>
+              <a:rPr lang="en-US" altLang="zh-TW"/>
+              <a:t>Lab file access</a:t>
+            </a:r>
+            <a:endParaRPr lang="zh-TW" altLang="en-US" dirty="0"/>
+          </a:p>
+        </p:txBody>
+      </p:sp>
+      <p:sp>
+        <p:nvSpPr>
+          <p:cNvPr id="3" name="內容版面配置區 2">
+            <a:extLst>
+              <a:ext uri="{FF2B5EF4-FFF2-40B4-BE49-F238E27FC236}">
+                <a16:creationId xmlns:a16="http://schemas.microsoft.com/office/drawing/2014/main" id="{202D5006-81D2-4D16-A27E-172B031CC748}"/>
+              </a:ext>
+            </a:extLst>
+          </p:cNvPr>
+          <p:cNvSpPr>
+            <a:spLocks noGrp="1"/>
+          </p:cNvSpPr>
+          <p:nvPr>
+            <p:ph idx="1"/>
+          </p:nvPr>
+        </p:nvSpPr>
+        <p:spPr/>
+        <p:txBody>
+          <a:bodyPr/>
+          <a:lstStyle/>
+          <a:p>
+            <a:r>
+              <a:rPr lang="en-US" altLang="zh-TW" dirty="0"/>
+              <a:t>For NTHU</a:t>
+            </a:r>
+            <a:r>
+              <a:rPr lang="zh-TW" altLang="en-US" dirty="0"/>
+              <a:t> </a:t>
+            </a:r>
+            <a:r>
+              <a:rPr lang="en-US" altLang="zh-TW" dirty="0"/>
+              <a:t>student, you can access the file in the following directory </a:t>
+            </a:r>
+          </a:p>
+          <a:p>
+            <a:pPr lvl="1"/>
+            <a:r>
+              <a:rPr lang="en-US" altLang="zh-TW" dirty="0"/>
+              <a:t>/home/course/ee5252/catapult</a:t>
+            </a:r>
+            <a:endParaRPr lang="zh-TW" altLang="en-US" dirty="0"/>
+          </a:p>
+        </p:txBody>
+      </p:sp>
+      <p:pic>
+        <p:nvPicPr>
+          <p:cNvPr id="4" name="圖片 3">
+            <a:extLst>
+              <a:ext uri="{FF2B5EF4-FFF2-40B4-BE49-F238E27FC236}">
+                <a16:creationId xmlns:a16="http://schemas.microsoft.com/office/drawing/2014/main" id="{1D14E9EB-6258-4AE0-986E-B1CB493A87FE}"/>
+              </a:ext>
+            </a:extLst>
+          </p:cNvPr>
+          <p:cNvPicPr>
+            <a:picLocks noChangeAspect="1"/>
+          </p:cNvPicPr>
+          <p:nvPr/>
+        </p:nvPicPr>
+        <p:blipFill>
+          <a:blip r:embed="rId2"/>
+          <a:stretch>
+            <a:fillRect/>
+          </a:stretch>
+        </p:blipFill>
+        <p:spPr>
+          <a:xfrm>
+            <a:off x="4786129" y="2139598"/>
+            <a:ext cx="2619741" cy="3048425"/>
+          </a:xfrm>
+          <a:prstGeom prst="rect">
+            <a:avLst/>
+          </a:prstGeom>
+        </p:spPr>
+      </p:pic>
+    </p:spTree>
+    <p:extLst>
+      <p:ext uri="{BB962C8B-B14F-4D97-AF65-F5344CB8AC3E}">
+        <p14:creationId xmlns:p14="http://schemas.microsoft.com/office/powerpoint/2010/main" val="1513900363"/>
       </p:ext>
     </p:extLst>
   </p:cSld>

--- a/catapult_hls/catapult_setup(NTHU).pptx
+++ b/catapult_hls/catapult_setup(NTHU).pptx
@@ -5,7 +5,7 @@
     <p:sldMasterId id="2147483648" r:id="rId1"/>
   </p:sldMasterIdLst>
   <p:notesMasterIdLst>
-    <p:notesMasterId r:id="rId8"/>
+    <p:notesMasterId r:id="rId12"/>
   </p:notesMasterIdLst>
   <p:sldIdLst>
     <p:sldId id="259" r:id="rId2"/>
@@ -14,6 +14,10 @@
     <p:sldId id="360" r:id="rId5"/>
     <p:sldId id="362" r:id="rId6"/>
     <p:sldId id="363" r:id="rId7"/>
+    <p:sldId id="364" r:id="rId8"/>
+    <p:sldId id="367" r:id="rId9"/>
+    <p:sldId id="365" r:id="rId10"/>
+    <p:sldId id="368" r:id="rId11"/>
   </p:sldIdLst>
   <p:sldSz cx="12192000" cy="6858000"/>
   <p:notesSz cx="6858000" cy="9144000"/>
@@ -205,7 +209,7 @@
           <a:p>
             <a:fld id="{80C38B47-C3B7-8443-A58D-8B22D7D22AE0}" type="datetimeFigureOut">
               <a:rPr lang="en-US" smtClean="0"/>
-              <a:t>3/1/2024</a:t>
+              <a:t>3/20/2024</a:t>
             </a:fld>
             <a:endParaRPr lang="en-US"/>
           </a:p>
@@ -635,7 +639,7 @@
           <a:p>
             <a:fld id="{7A4E0488-0F40-9645-8EBB-4836F989A1A3}" type="datetimeFigureOut">
               <a:rPr lang="en-US" smtClean="0"/>
-              <a:t>3/1/2024</a:t>
+              <a:t>3/20/2024</a:t>
             </a:fld>
             <a:endParaRPr lang="en-US"/>
           </a:p>
@@ -846,7 +850,7 @@
           <a:p>
             <a:fld id="{7A4E0488-0F40-9645-8EBB-4836F989A1A3}" type="datetimeFigureOut">
               <a:rPr lang="en-US" smtClean="0"/>
-              <a:t>3/1/2024</a:t>
+              <a:t>3/20/2024</a:t>
             </a:fld>
             <a:endParaRPr lang="en-US"/>
           </a:p>
@@ -1091,7 +1095,7 @@
           <a:p>
             <a:fld id="{7A4E0488-0F40-9645-8EBB-4836F989A1A3}" type="datetimeFigureOut">
               <a:rPr lang="en-US" smtClean="0"/>
-              <a:t>3/1/2024</a:t>
+              <a:t>3/20/2024</a:t>
             </a:fld>
             <a:endParaRPr lang="en-US"/>
           </a:p>
@@ -1373,7 +1377,7 @@
           <a:p>
             <a:fld id="{7A4E0488-0F40-9645-8EBB-4836F989A1A3}" type="datetimeFigureOut">
               <a:rPr lang="en-US" smtClean="0"/>
-              <a:t>3/1/2024</a:t>
+              <a:t>3/20/2024</a:t>
             </a:fld>
             <a:endParaRPr lang="en-US"/>
           </a:p>
@@ -1730,7 +1734,7 @@
           <a:p>
             <a:fld id="{7A4E0488-0F40-9645-8EBB-4836F989A1A3}" type="datetimeFigureOut">
               <a:rPr lang="en-US" smtClean="0"/>
-              <a:t>3/1/2024</a:t>
+              <a:t>3/20/2024</a:t>
             </a:fld>
             <a:endParaRPr lang="en-US"/>
           </a:p>
@@ -2145,7 +2149,7 @@
           <a:p>
             <a:fld id="{7A4E0488-0F40-9645-8EBB-4836F989A1A3}" type="datetimeFigureOut">
               <a:rPr lang="en-US" smtClean="0"/>
-              <a:t>3/1/2024</a:t>
+              <a:t>3/20/2024</a:t>
             </a:fld>
             <a:endParaRPr lang="en-US"/>
           </a:p>
@@ -2294,7 +2298,7 @@
           <a:p>
             <a:fld id="{7A4E0488-0F40-9645-8EBB-4836F989A1A3}" type="datetimeFigureOut">
               <a:rPr lang="en-US" smtClean="0"/>
-              <a:t>3/1/2024</a:t>
+              <a:t>3/20/2024</a:t>
             </a:fld>
             <a:endParaRPr lang="en-US"/>
           </a:p>
@@ -2407,7 +2411,7 @@
           <a:p>
             <a:fld id="{7A4E0488-0F40-9645-8EBB-4836F989A1A3}" type="datetimeFigureOut">
               <a:rPr lang="en-US" smtClean="0"/>
-              <a:t>3/1/2024</a:t>
+              <a:t>3/20/2024</a:t>
             </a:fld>
             <a:endParaRPr lang="en-US"/>
           </a:p>
@@ -2721,7 +2725,7 @@
           <a:p>
             <a:fld id="{7A4E0488-0F40-9645-8EBB-4836F989A1A3}" type="datetimeFigureOut">
               <a:rPr lang="en-US" smtClean="0"/>
-              <a:t>3/1/2024</a:t>
+              <a:t>3/20/2024</a:t>
             </a:fld>
             <a:endParaRPr lang="en-US"/>
           </a:p>
@@ -3012,7 +3016,7 @@
           <a:p>
             <a:fld id="{7A4E0488-0F40-9645-8EBB-4836F989A1A3}" type="datetimeFigureOut">
               <a:rPr lang="en-US" smtClean="0"/>
-              <a:t>3/1/2024</a:t>
+              <a:t>3/20/2024</a:t>
             </a:fld>
             <a:endParaRPr lang="en-US"/>
           </a:p>
@@ -3884,6 +3888,159 @@
 </p:sld>
 </file>
 
+<file path=ppt/slides/slide10.xml><?xml version="1.0" encoding="utf-8"?>
+<p:sld xmlns:a="http://schemas.openxmlformats.org/drawingml/2006/main" xmlns:r="http://schemas.openxmlformats.org/officeDocument/2006/relationships" xmlns:p="http://schemas.openxmlformats.org/presentationml/2006/main">
+  <p:cSld>
+    <p:spTree>
+      <p:nvGrpSpPr>
+        <p:cNvPr id="1" name=""/>
+        <p:cNvGrpSpPr/>
+        <p:nvPr/>
+      </p:nvGrpSpPr>
+      <p:grpSpPr>
+        <a:xfrm>
+          <a:off x="0" y="0"/>
+          <a:ext cx="0" cy="0"/>
+          <a:chOff x="0" y="0"/>
+          <a:chExt cx="0" cy="0"/>
+        </a:xfrm>
+      </p:grpSpPr>
+      <p:sp>
+        <p:nvSpPr>
+          <p:cNvPr id="2" name="標題 1">
+            <a:extLst>
+              <a:ext uri="{FF2B5EF4-FFF2-40B4-BE49-F238E27FC236}">
+                <a16:creationId xmlns:a16="http://schemas.microsoft.com/office/drawing/2014/main" id="{478E716A-1D89-4CAB-B052-7393BD4D20B5}"/>
+              </a:ext>
+            </a:extLst>
+          </p:cNvPr>
+          <p:cNvSpPr>
+            <a:spLocks noGrp="1"/>
+          </p:cNvSpPr>
+          <p:nvPr>
+            <p:ph type="title"/>
+          </p:nvPr>
+        </p:nvSpPr>
+        <p:spPr/>
+        <p:txBody>
+          <a:bodyPr/>
+          <a:lstStyle/>
+          <a:p>
+            <a:r>
+              <a:rPr lang="en-US" altLang="zh-TW" dirty="0"/>
+              <a:t>Probable solution: </a:t>
+            </a:r>
+            <a:endParaRPr lang="zh-TW" altLang="en-US" dirty="0"/>
+          </a:p>
+        </p:txBody>
+      </p:sp>
+      <p:sp>
+        <p:nvSpPr>
+          <p:cNvPr id="3" name="內容版面配置區 2">
+            <a:extLst>
+              <a:ext uri="{FF2B5EF4-FFF2-40B4-BE49-F238E27FC236}">
+                <a16:creationId xmlns:a16="http://schemas.microsoft.com/office/drawing/2014/main" id="{729F45D7-39B7-451B-9872-EA3C8C39AE3C}"/>
+              </a:ext>
+            </a:extLst>
+          </p:cNvPr>
+          <p:cNvSpPr>
+            <a:spLocks noGrp="1"/>
+          </p:cNvSpPr>
+          <p:nvPr>
+            <p:ph idx="1"/>
+          </p:nvPr>
+        </p:nvSpPr>
+        <p:spPr>
+          <a:xfrm>
+            <a:off x="767179" y="1159435"/>
+            <a:ext cx="10515600" cy="5008753"/>
+          </a:xfrm>
+        </p:spPr>
+        <p:txBody>
+          <a:bodyPr/>
+          <a:lstStyle/>
+          <a:p>
+            <a:r>
+              <a:rPr lang="en-US" altLang="zh-TW" dirty="0"/>
+              <a:t>Type the command in Catapult GUI</a:t>
+            </a:r>
+          </a:p>
+          <a:p>
+            <a:r>
+              <a:rPr lang="en-US" altLang="zh-TW" dirty="0"/>
+              <a:t>Options set Input/</a:t>
+            </a:r>
+            <a:r>
+              <a:rPr lang="en-US" altLang="zh-TW" dirty="0" err="1"/>
+              <a:t>TargetPlatform</a:t>
+            </a:r>
+            <a:r>
+              <a:rPr lang="en-US" altLang="zh-TW" dirty="0"/>
+              <a:t> x86_64</a:t>
+            </a:r>
+          </a:p>
+          <a:p>
+            <a:r>
+              <a:rPr lang="en-US" altLang="zh-TW" dirty="0"/>
+              <a:t>It works in NYCU </a:t>
+            </a:r>
+            <a:r>
+              <a:rPr lang="en-US" altLang="zh-TW" dirty="0" err="1"/>
+              <a:t>ICLab</a:t>
+            </a:r>
+            <a:r>
+              <a:rPr lang="en-US" altLang="zh-TW" dirty="0"/>
+              <a:t> server</a:t>
+            </a:r>
+          </a:p>
+          <a:p>
+            <a:endParaRPr lang="zh-TW" altLang="en-US" dirty="0"/>
+          </a:p>
+        </p:txBody>
+      </p:sp>
+      <p:pic>
+        <p:nvPicPr>
+          <p:cNvPr id="5" name="圖片 4">
+            <a:extLst>
+              <a:ext uri="{FF2B5EF4-FFF2-40B4-BE49-F238E27FC236}">
+                <a16:creationId xmlns:a16="http://schemas.microsoft.com/office/drawing/2014/main" id="{FF82E805-98A6-4AD5-823E-A11A839C4A18}"/>
+              </a:ext>
+            </a:extLst>
+          </p:cNvPr>
+          <p:cNvPicPr>
+            <a:picLocks noChangeAspect="1"/>
+          </p:cNvPicPr>
+          <p:nvPr/>
+        </p:nvPicPr>
+        <p:blipFill>
+          <a:blip r:embed="rId2"/>
+          <a:stretch>
+            <a:fillRect/>
+          </a:stretch>
+        </p:blipFill>
+        <p:spPr>
+          <a:xfrm>
+            <a:off x="1119187" y="2815516"/>
+            <a:ext cx="9953625" cy="3162300"/>
+          </a:xfrm>
+          <a:prstGeom prst="rect">
+            <a:avLst/>
+          </a:prstGeom>
+        </p:spPr>
+      </p:pic>
+    </p:spTree>
+    <p:extLst>
+      <p:ext uri="{BB962C8B-B14F-4D97-AF65-F5344CB8AC3E}">
+        <p14:creationId xmlns:p14="http://schemas.microsoft.com/office/powerpoint/2010/main" val="4283388486"/>
+      </p:ext>
+    </p:extLst>
+  </p:cSld>
+  <p:clrMapOvr>
+    <a:masterClrMapping/>
+  </p:clrMapOvr>
+</p:sld>
+</file>
+
 <file path=ppt/slides/slide2.xml><?xml version="1.0" encoding="utf-8"?>
 <p:sld xmlns:a="http://schemas.openxmlformats.org/drawingml/2006/main" xmlns:r="http://schemas.openxmlformats.org/officeDocument/2006/relationships" xmlns:p="http://schemas.openxmlformats.org/presentationml/2006/main">
   <p:cSld>
@@ -4961,6 +5118,352 @@
     <p:extLst>
       <p:ext uri="{BB962C8B-B14F-4D97-AF65-F5344CB8AC3E}">
         <p14:creationId xmlns:p14="http://schemas.microsoft.com/office/powerpoint/2010/main" val="1513900363"/>
+      </p:ext>
+    </p:extLst>
+  </p:cSld>
+  <p:clrMapOvr>
+    <a:masterClrMapping/>
+  </p:clrMapOvr>
+</p:sld>
+</file>
+
+<file path=ppt/slides/slide7.xml><?xml version="1.0" encoding="utf-8"?>
+<p:sld xmlns:a="http://schemas.openxmlformats.org/drawingml/2006/main" xmlns:r="http://schemas.openxmlformats.org/officeDocument/2006/relationships" xmlns:p="http://schemas.openxmlformats.org/presentationml/2006/main">
+  <p:cSld>
+    <p:spTree>
+      <p:nvGrpSpPr>
+        <p:cNvPr id="1" name=""/>
+        <p:cNvGrpSpPr/>
+        <p:nvPr/>
+      </p:nvGrpSpPr>
+      <p:grpSpPr>
+        <a:xfrm>
+          <a:off x="0" y="0"/>
+          <a:ext cx="0" cy="0"/>
+          <a:chOff x="0" y="0"/>
+          <a:chExt cx="0" cy="0"/>
+        </a:xfrm>
+      </p:grpSpPr>
+      <p:sp>
+        <p:nvSpPr>
+          <p:cNvPr id="2" name="標題 1">
+            <a:extLst>
+              <a:ext uri="{FF2B5EF4-FFF2-40B4-BE49-F238E27FC236}">
+                <a16:creationId xmlns:a16="http://schemas.microsoft.com/office/drawing/2014/main" id="{317E7DB8-28AD-4FE6-85AE-E14C39E3F498}"/>
+              </a:ext>
+            </a:extLst>
+          </p:cNvPr>
+          <p:cNvSpPr>
+            <a:spLocks noGrp="1"/>
+          </p:cNvSpPr>
+          <p:nvPr>
+            <p:ph type="title"/>
+          </p:nvPr>
+        </p:nvSpPr>
+        <p:spPr/>
+        <p:txBody>
+          <a:bodyPr/>
+          <a:lstStyle/>
+          <a:p>
+            <a:r>
+              <a:rPr lang="en-US" altLang="zh-TW" dirty="0"/>
+              <a:t>Error:</a:t>
+            </a:r>
+            <a:r>
+              <a:rPr lang="zh-TW" altLang="en-US" dirty="0"/>
+              <a:t> </a:t>
+            </a:r>
+            <a:r>
+              <a:rPr lang="en-US" altLang="zh-TW" dirty="0"/>
+              <a:t>cannot open source file "gnu/stubs-32.h"</a:t>
+            </a:r>
+            <a:endParaRPr lang="zh-TW" altLang="en-US" dirty="0"/>
+          </a:p>
+        </p:txBody>
+      </p:sp>
+      <p:pic>
+        <p:nvPicPr>
+          <p:cNvPr id="5" name="內容版面配置區 4">
+            <a:extLst>
+              <a:ext uri="{FF2B5EF4-FFF2-40B4-BE49-F238E27FC236}">
+                <a16:creationId xmlns:a16="http://schemas.microsoft.com/office/drawing/2014/main" id="{D6E0F478-7E53-46D5-BDD9-3A97B4EE3946}"/>
+              </a:ext>
+            </a:extLst>
+          </p:cNvPr>
+          <p:cNvPicPr>
+            <a:picLocks noGrp="1" noChangeAspect="1"/>
+          </p:cNvPicPr>
+          <p:nvPr>
+            <p:ph idx="1"/>
+          </p:nvPr>
+        </p:nvPicPr>
+        <p:blipFill>
+          <a:blip r:embed="rId2"/>
+          <a:stretch>
+            <a:fillRect/>
+          </a:stretch>
+        </p:blipFill>
+        <p:spPr>
+          <a:xfrm>
+            <a:off x="1372797" y="971273"/>
+            <a:ext cx="9446405" cy="5008563"/>
+          </a:xfrm>
+        </p:spPr>
+      </p:pic>
+    </p:spTree>
+    <p:extLst>
+      <p:ext uri="{BB962C8B-B14F-4D97-AF65-F5344CB8AC3E}">
+        <p14:creationId xmlns:p14="http://schemas.microsoft.com/office/powerpoint/2010/main" val="1437425174"/>
+      </p:ext>
+    </p:extLst>
+  </p:cSld>
+  <p:clrMapOvr>
+    <a:masterClrMapping/>
+  </p:clrMapOvr>
+</p:sld>
+</file>
+
+<file path=ppt/slides/slide8.xml><?xml version="1.0" encoding="utf-8"?>
+<p:sld xmlns:a="http://schemas.openxmlformats.org/drawingml/2006/main" xmlns:r="http://schemas.openxmlformats.org/officeDocument/2006/relationships" xmlns:p="http://schemas.openxmlformats.org/presentationml/2006/main">
+  <p:cSld>
+    <p:spTree>
+      <p:nvGrpSpPr>
+        <p:cNvPr id="1" name=""/>
+        <p:cNvGrpSpPr/>
+        <p:nvPr/>
+      </p:nvGrpSpPr>
+      <p:grpSpPr>
+        <a:xfrm>
+          <a:off x="0" y="0"/>
+          <a:ext cx="0" cy="0"/>
+          <a:chOff x="0" y="0"/>
+          <a:chExt cx="0" cy="0"/>
+        </a:xfrm>
+      </p:grpSpPr>
+      <p:sp>
+        <p:nvSpPr>
+          <p:cNvPr id="2" name="標題 1">
+            <a:extLst>
+              <a:ext uri="{FF2B5EF4-FFF2-40B4-BE49-F238E27FC236}">
+                <a16:creationId xmlns:a16="http://schemas.microsoft.com/office/drawing/2014/main" id="{478E716A-1D89-4CAB-B052-7393BD4D20B5}"/>
+              </a:ext>
+            </a:extLst>
+          </p:cNvPr>
+          <p:cNvSpPr>
+            <a:spLocks noGrp="1"/>
+          </p:cNvSpPr>
+          <p:nvPr>
+            <p:ph type="title"/>
+          </p:nvPr>
+        </p:nvSpPr>
+        <p:spPr/>
+        <p:txBody>
+          <a:bodyPr/>
+          <a:lstStyle/>
+          <a:p>
+            <a:r>
+              <a:rPr lang="en-US" altLang="zh-TW" dirty="0"/>
+              <a:t>Probable solution: </a:t>
+            </a:r>
+            <a:endParaRPr lang="zh-TW" altLang="en-US" dirty="0"/>
+          </a:p>
+        </p:txBody>
+      </p:sp>
+      <p:sp>
+        <p:nvSpPr>
+          <p:cNvPr id="3" name="內容版面配置區 2">
+            <a:extLst>
+              <a:ext uri="{FF2B5EF4-FFF2-40B4-BE49-F238E27FC236}">
+                <a16:creationId xmlns:a16="http://schemas.microsoft.com/office/drawing/2014/main" id="{729F45D7-39B7-451B-9872-EA3C8C39AE3C}"/>
+              </a:ext>
+            </a:extLst>
+          </p:cNvPr>
+          <p:cNvSpPr>
+            <a:spLocks noGrp="1"/>
+          </p:cNvSpPr>
+          <p:nvPr>
+            <p:ph idx="1"/>
+          </p:nvPr>
+        </p:nvSpPr>
+        <p:spPr/>
+        <p:txBody>
+          <a:bodyPr/>
+          <a:lstStyle/>
+          <a:p>
+            <a:r>
+              <a:rPr lang="en-US" altLang="zh-TW" dirty="0"/>
+              <a:t>Install </a:t>
+            </a:r>
+            <a:r>
+              <a:rPr lang="en-US" altLang="zh-TW" b="1" dirty="0"/>
+              <a:t>glibc-devel.i686</a:t>
+            </a:r>
+            <a:r>
+              <a:rPr lang="en-US" altLang="zh-TW" dirty="0"/>
+              <a:t> tool</a:t>
+            </a:r>
+          </a:p>
+          <a:p>
+            <a:r>
+              <a:rPr lang="en-US" altLang="zh-TW" dirty="0"/>
+              <a:t>You can check the server has installed the tool or not. </a:t>
+            </a:r>
+          </a:p>
+          <a:p>
+            <a:r>
+              <a:rPr lang="en-US" altLang="zh-TW" dirty="0"/>
+              <a:t>However, it needs root permission to install this tool.</a:t>
+            </a:r>
+          </a:p>
+          <a:p>
+            <a:endParaRPr lang="zh-TW" altLang="en-US" dirty="0"/>
+          </a:p>
+        </p:txBody>
+      </p:sp>
+    </p:spTree>
+    <p:extLst>
+      <p:ext uri="{BB962C8B-B14F-4D97-AF65-F5344CB8AC3E}">
+        <p14:creationId xmlns:p14="http://schemas.microsoft.com/office/powerpoint/2010/main" val="2300009922"/>
+      </p:ext>
+    </p:extLst>
+  </p:cSld>
+  <p:clrMapOvr>
+    <a:masterClrMapping/>
+  </p:clrMapOvr>
+</p:sld>
+</file>
+
+<file path=ppt/slides/slide9.xml><?xml version="1.0" encoding="utf-8"?>
+<p:sld xmlns:a="http://schemas.openxmlformats.org/drawingml/2006/main" xmlns:r="http://schemas.openxmlformats.org/officeDocument/2006/relationships" xmlns:p="http://schemas.openxmlformats.org/presentationml/2006/main">
+  <p:cSld>
+    <p:spTree>
+      <p:nvGrpSpPr>
+        <p:cNvPr id="1" name=""/>
+        <p:cNvGrpSpPr/>
+        <p:nvPr/>
+      </p:nvGrpSpPr>
+      <p:grpSpPr>
+        <a:xfrm>
+          <a:off x="0" y="0"/>
+          <a:ext cx="0" cy="0"/>
+          <a:chOff x="0" y="0"/>
+          <a:chExt cx="0" cy="0"/>
+        </a:xfrm>
+      </p:grpSpPr>
+      <p:sp>
+        <p:nvSpPr>
+          <p:cNvPr id="2" name="標題 1">
+            <a:extLst>
+              <a:ext uri="{FF2B5EF4-FFF2-40B4-BE49-F238E27FC236}">
+                <a16:creationId xmlns:a16="http://schemas.microsoft.com/office/drawing/2014/main" id="{478E716A-1D89-4CAB-B052-7393BD4D20B5}"/>
+              </a:ext>
+            </a:extLst>
+          </p:cNvPr>
+          <p:cNvSpPr>
+            <a:spLocks noGrp="1"/>
+          </p:cNvSpPr>
+          <p:nvPr>
+            <p:ph type="title"/>
+          </p:nvPr>
+        </p:nvSpPr>
+        <p:spPr/>
+        <p:txBody>
+          <a:bodyPr/>
+          <a:lstStyle/>
+          <a:p>
+            <a:r>
+              <a:rPr lang="en-US" altLang="zh-TW" dirty="0"/>
+              <a:t>Probable solution: </a:t>
+            </a:r>
+            <a:endParaRPr lang="zh-TW" altLang="en-US" dirty="0"/>
+          </a:p>
+        </p:txBody>
+      </p:sp>
+      <p:sp>
+        <p:nvSpPr>
+          <p:cNvPr id="3" name="內容版面配置區 2">
+            <a:extLst>
+              <a:ext uri="{FF2B5EF4-FFF2-40B4-BE49-F238E27FC236}">
+                <a16:creationId xmlns:a16="http://schemas.microsoft.com/office/drawing/2014/main" id="{729F45D7-39B7-451B-9872-EA3C8C39AE3C}"/>
+              </a:ext>
+            </a:extLst>
+          </p:cNvPr>
+          <p:cNvSpPr>
+            <a:spLocks noGrp="1"/>
+          </p:cNvSpPr>
+          <p:nvPr>
+            <p:ph idx="1"/>
+          </p:nvPr>
+        </p:nvSpPr>
+        <p:spPr/>
+        <p:txBody>
+          <a:bodyPr/>
+          <a:lstStyle/>
+          <a:p>
+            <a:r>
+              <a:rPr lang="en-US" altLang="zh-TW" dirty="0"/>
+              <a:t>Set tools in Catapult GUI</a:t>
+            </a:r>
+          </a:p>
+          <a:p>
+            <a:r>
+              <a:rPr lang="en-US" altLang="zh-TW" dirty="0"/>
+              <a:t>Set target platform of input (x86_64)</a:t>
+            </a:r>
+          </a:p>
+          <a:p>
+            <a:r>
+              <a:rPr lang="en-US" altLang="zh-TW" dirty="0"/>
+              <a:t>In NYCU </a:t>
+            </a:r>
+            <a:r>
+              <a:rPr lang="en-US" altLang="zh-TW" dirty="0" err="1"/>
+              <a:t>ICLab</a:t>
+            </a:r>
+            <a:r>
+              <a:rPr lang="en-US" altLang="zh-TW" dirty="0"/>
+              <a:t> server, it doesn’t work.</a:t>
+            </a:r>
+          </a:p>
+          <a:p>
+            <a:endParaRPr lang="en-US" altLang="zh-TW" dirty="0"/>
+          </a:p>
+        </p:txBody>
+      </p:sp>
+      <p:pic>
+        <p:nvPicPr>
+          <p:cNvPr id="5" name="圖片 4">
+            <a:extLst>
+              <a:ext uri="{FF2B5EF4-FFF2-40B4-BE49-F238E27FC236}">
+                <a16:creationId xmlns:a16="http://schemas.microsoft.com/office/drawing/2014/main" id="{79E18484-7487-48D5-A5C5-CFA870A2D9FB}"/>
+              </a:ext>
+            </a:extLst>
+          </p:cNvPr>
+          <p:cNvPicPr>
+            <a:picLocks noChangeAspect="1"/>
+          </p:cNvPicPr>
+          <p:nvPr/>
+        </p:nvPicPr>
+        <p:blipFill>
+          <a:blip r:embed="rId2"/>
+          <a:stretch>
+            <a:fillRect/>
+          </a:stretch>
+        </p:blipFill>
+        <p:spPr>
+          <a:xfrm>
+            <a:off x="4303238" y="2814221"/>
+            <a:ext cx="3585524" cy="3542129"/>
+          </a:xfrm>
+          <a:prstGeom prst="rect">
+            <a:avLst/>
+          </a:prstGeom>
+        </p:spPr>
+      </p:pic>
+    </p:spTree>
+    <p:extLst>
+      <p:ext uri="{BB962C8B-B14F-4D97-AF65-F5344CB8AC3E}">
+        <p14:creationId xmlns:p14="http://schemas.microsoft.com/office/powerpoint/2010/main" val="1553870946"/>
       </p:ext>
     </p:extLst>
   </p:cSld>
